--- a/screenshot/image.pptx
+++ b/screenshot/image.pptx
@@ -8,6 +8,9 @@
     <p:sldId id="256" r:id="rId2"/>
     <p:sldId id="257" r:id="rId3"/>
     <p:sldId id="258" r:id="rId4"/>
+    <p:sldId id="259" r:id="rId5"/>
+    <p:sldId id="260" r:id="rId6"/>
+    <p:sldId id="261" r:id="rId7"/>
   </p:sldIdLst>
   <p:sldSz cx="12192000" cy="6858000"/>
   <p:notesSz cx="6858000" cy="9144000"/>
@@ -106,6 +109,11 @@
       </a:defRPr>
     </a:lvl9pPr>
   </p:defaultTextStyle>
+  <p:extLst>
+    <p:ext uri="{EFAFB233-063F-42B5-8137-9DF3F51BA10A}">
+      <p15:sldGuideLst xmlns:p15="http://schemas.microsoft.com/office/powerpoint/2012/main"/>
+    </p:ext>
+  </p:extLst>
 </p:presentation>
 </file>
 
@@ -4467,6 +4475,880 @@
 </p:sld>
 </file>
 
+<file path=ppt/slides/slide4.xml><?xml version="1.0" encoding="utf-8"?>
+<p:sld xmlns:a="http://schemas.openxmlformats.org/drawingml/2006/main" xmlns:r="http://schemas.openxmlformats.org/officeDocument/2006/relationships" xmlns:p="http://schemas.openxmlformats.org/presentationml/2006/main">
+  <p:cSld>
+    <p:spTree>
+      <p:nvGrpSpPr>
+        <p:cNvPr id="1" name=""/>
+        <p:cNvGrpSpPr/>
+        <p:nvPr/>
+      </p:nvGrpSpPr>
+      <p:grpSpPr>
+        <a:xfrm>
+          <a:off x="0" y="0"/>
+          <a:ext cx="0" cy="0"/>
+          <a:chOff x="0" y="0"/>
+          <a:chExt cx="0" cy="0"/>
+        </a:xfrm>
+      </p:grpSpPr>
+      <p:sp>
+        <p:nvSpPr>
+          <p:cNvPr id="2" name="Title 1">
+            <a:extLst>
+              <a:ext uri="{FF2B5EF4-FFF2-40B4-BE49-F238E27FC236}">
+                <a16:creationId xmlns:a16="http://schemas.microsoft.com/office/drawing/2014/main" id="{4105A58C-20B5-F04A-A3EC-87D3011811EF}"/>
+              </a:ext>
+            </a:extLst>
+          </p:cNvPr>
+          <p:cNvSpPr>
+            <a:spLocks noGrp="1"/>
+          </p:cNvSpPr>
+          <p:nvPr>
+            <p:ph type="title"/>
+          </p:nvPr>
+        </p:nvSpPr>
+        <p:spPr/>
+        <p:txBody>
+          <a:bodyPr/>
+          <a:lstStyle/>
+          <a:p>
+            <a:r>
+              <a:rPr lang="en-TW" b="1" dirty="0"/>
+              <a:t>Python Client module</a:t>
+            </a:r>
+            <a:endParaRPr lang="en-TW" dirty="0"/>
+          </a:p>
+        </p:txBody>
+      </p:sp>
+      <p:sp>
+        <p:nvSpPr>
+          <p:cNvPr id="5" name="Content Placeholder 2">
+            <a:extLst>
+              <a:ext uri="{FF2B5EF4-FFF2-40B4-BE49-F238E27FC236}">
+                <a16:creationId xmlns:a16="http://schemas.microsoft.com/office/drawing/2014/main" id="{96D1ABB5-F8D8-F342-A517-29A85944B798}"/>
+              </a:ext>
+            </a:extLst>
+          </p:cNvPr>
+          <p:cNvSpPr>
+            <a:spLocks noGrp="1"/>
+          </p:cNvSpPr>
+          <p:nvPr>
+            <p:ph idx="1"/>
+          </p:nvPr>
+        </p:nvSpPr>
+        <p:spPr>
+          <a:xfrm>
+            <a:off x="3010328" y="1733159"/>
+            <a:ext cx="8846050" cy="4351338"/>
+          </a:xfrm>
+        </p:spPr>
+        <p:txBody>
+          <a:bodyPr>
+            <a:normAutofit/>
+          </a:bodyPr>
+          <a:lstStyle/>
+          <a:p>
+            <a:r>
+              <a:rPr lang="en-US" sz="2000" dirty="0"/>
+              <a:t>client</a:t>
+            </a:r>
+            <a:r>
+              <a:rPr lang="en-TW" sz="2000" dirty="0"/>
+              <a:t>_socket = socket.socket(</a:t>
+            </a:r>
+            <a:r>
+              <a:rPr lang="en-US" sz="2000" dirty="0" err="1"/>
+              <a:t>socket.AF_INET</a:t>
+            </a:r>
+            <a:r>
+              <a:rPr lang="en-US" sz="2000" dirty="0"/>
+              <a:t>, </a:t>
+            </a:r>
+            <a:r>
+              <a:rPr lang="en-US" sz="2000" dirty="0" err="1"/>
+              <a:t>socket.SOCK_STREAM</a:t>
+            </a:r>
+            <a:r>
+              <a:rPr lang="en-TW" sz="2000" dirty="0"/>
+              <a:t>)</a:t>
+            </a:r>
+          </a:p>
+          <a:p>
+            <a:endParaRPr lang="en-TW" sz="2000" dirty="0"/>
+          </a:p>
+          <a:p>
+            <a:r>
+              <a:rPr lang="en-US" sz="2000" dirty="0"/>
+              <a:t>client </a:t>
+            </a:r>
+            <a:r>
+              <a:rPr lang="en-TW" sz="2000" dirty="0"/>
+              <a:t>_socket.connect((</a:t>
+            </a:r>
+            <a:r>
+              <a:rPr lang="en-US" sz="2000" dirty="0"/>
+              <a:t>HOST, PORT</a:t>
+            </a:r>
+            <a:r>
+              <a:rPr lang="en-TW" sz="2000" dirty="0"/>
+              <a:t>))</a:t>
+            </a:r>
+          </a:p>
+          <a:p>
+            <a:endParaRPr lang="en-TW" sz="2000" dirty="0"/>
+          </a:p>
+          <a:p>
+            <a:r>
+              <a:rPr lang="en-US" sz="2000" dirty="0"/>
+              <a:t>packet = </a:t>
+            </a:r>
+            <a:r>
+              <a:rPr lang="en-US" sz="2000" dirty="0" err="1"/>
+              <a:t>client_socket.recv</a:t>
+            </a:r>
+            <a:r>
+              <a:rPr lang="en-US" sz="2000" dirty="0"/>
+              <a:t>(4096) # 4096 is buffer size </a:t>
+            </a:r>
+            <a:endParaRPr lang="en-TW" sz="2000" dirty="0"/>
+          </a:p>
+          <a:p>
+            <a:endParaRPr lang="en-TW" sz="2000" dirty="0"/>
+          </a:p>
+          <a:p>
+            <a:r>
+              <a:rPr lang="en-US" sz="2000" dirty="0"/>
+              <a:t>C</a:t>
+            </a:r>
+            <a:r>
+              <a:rPr lang="en-TW" sz="2000" dirty="0"/>
+              <a:t>lient_socket.send(packet)</a:t>
+            </a:r>
+          </a:p>
+          <a:p>
+            <a:endParaRPr lang="en-TW" sz="2000" dirty="0"/>
+          </a:p>
+          <a:p>
+            <a:r>
+              <a:rPr lang="en-US" sz="2000" dirty="0"/>
+              <a:t>c</a:t>
+            </a:r>
+            <a:r>
+              <a:rPr lang="en-TW" sz="2000" dirty="0"/>
+              <a:t>lient_socket.close()</a:t>
+            </a:r>
+          </a:p>
+        </p:txBody>
+      </p:sp>
+      <p:sp>
+        <p:nvSpPr>
+          <p:cNvPr id="6" name="Rectangle 5">
+            <a:extLst>
+              <a:ext uri="{FF2B5EF4-FFF2-40B4-BE49-F238E27FC236}">
+                <a16:creationId xmlns:a16="http://schemas.microsoft.com/office/drawing/2014/main" id="{841659E2-2204-D043-8B0A-D2A220EFBFE3}"/>
+              </a:ext>
+            </a:extLst>
+          </p:cNvPr>
+          <p:cNvSpPr/>
+          <p:nvPr/>
+        </p:nvSpPr>
+        <p:spPr>
+          <a:xfrm>
+            <a:off x="838200" y="1690688"/>
+            <a:ext cx="1689243" cy="425788"/>
+          </a:xfrm>
+          <a:prstGeom prst="rect">
+            <a:avLst/>
+          </a:prstGeom>
+          <a:noFill/>
+          <a:ln w="22225">
+            <a:solidFill>
+              <a:srgbClr val="0070C0"/>
+            </a:solidFill>
+          </a:ln>
+        </p:spPr>
+        <p:style>
+          <a:lnRef idx="2">
+            <a:schemeClr val="accent1">
+              <a:shade val="50000"/>
+            </a:schemeClr>
+          </a:lnRef>
+          <a:fillRef idx="1">
+            <a:schemeClr val="accent1"/>
+          </a:fillRef>
+          <a:effectRef idx="0">
+            <a:schemeClr val="accent1"/>
+          </a:effectRef>
+          <a:fontRef idx="minor">
+            <a:schemeClr val="lt1"/>
+          </a:fontRef>
+        </p:style>
+        <p:txBody>
+          <a:bodyPr rtlCol="0" anchor="ctr"/>
+          <a:lstStyle/>
+          <a:p>
+            <a:pPr algn="ctr"/>
+            <a:r>
+              <a:rPr lang="en-TW" dirty="0">
+                <a:solidFill>
+                  <a:srgbClr val="002060"/>
+                </a:solidFill>
+              </a:rPr>
+              <a:t>Socket creation</a:t>
+            </a:r>
+          </a:p>
+        </p:txBody>
+      </p:sp>
+      <p:sp>
+        <p:nvSpPr>
+          <p:cNvPr id="7" name="Rectangle 6">
+            <a:extLst>
+              <a:ext uri="{FF2B5EF4-FFF2-40B4-BE49-F238E27FC236}">
+                <a16:creationId xmlns:a16="http://schemas.microsoft.com/office/drawing/2014/main" id="{DDD9938F-6BD1-FD4A-A2AE-08BC5819C9FD}"/>
+              </a:ext>
+            </a:extLst>
+          </p:cNvPr>
+          <p:cNvSpPr/>
+          <p:nvPr/>
+        </p:nvSpPr>
+        <p:spPr>
+          <a:xfrm>
+            <a:off x="838199" y="2473708"/>
+            <a:ext cx="1689243" cy="425788"/>
+          </a:xfrm>
+          <a:prstGeom prst="rect">
+            <a:avLst/>
+          </a:prstGeom>
+          <a:noFill/>
+          <a:ln w="22225">
+            <a:solidFill>
+              <a:srgbClr val="0070C0"/>
+            </a:solidFill>
+          </a:ln>
+        </p:spPr>
+        <p:style>
+          <a:lnRef idx="2">
+            <a:schemeClr val="accent1">
+              <a:shade val="50000"/>
+            </a:schemeClr>
+          </a:lnRef>
+          <a:fillRef idx="1">
+            <a:schemeClr val="accent1"/>
+          </a:fillRef>
+          <a:effectRef idx="0">
+            <a:schemeClr val="accent1"/>
+          </a:effectRef>
+          <a:fontRef idx="minor">
+            <a:schemeClr val="lt1"/>
+          </a:fontRef>
+        </p:style>
+        <p:txBody>
+          <a:bodyPr rtlCol="0" anchor="ctr"/>
+          <a:lstStyle/>
+          <a:p>
+            <a:pPr algn="ctr"/>
+            <a:r>
+              <a:rPr lang="en-TW" dirty="0">
+                <a:solidFill>
+                  <a:srgbClr val="002060"/>
+                </a:solidFill>
+              </a:rPr>
+              <a:t>Socket connect</a:t>
+            </a:r>
+          </a:p>
+        </p:txBody>
+      </p:sp>
+      <p:sp>
+        <p:nvSpPr>
+          <p:cNvPr id="8" name="Rectangle 7">
+            <a:extLst>
+              <a:ext uri="{FF2B5EF4-FFF2-40B4-BE49-F238E27FC236}">
+                <a16:creationId xmlns:a16="http://schemas.microsoft.com/office/drawing/2014/main" id="{B2193741-5953-784A-BB02-9AD6B3202A20}"/>
+              </a:ext>
+            </a:extLst>
+          </p:cNvPr>
+          <p:cNvSpPr/>
+          <p:nvPr/>
+        </p:nvSpPr>
+        <p:spPr>
+          <a:xfrm>
+            <a:off x="838198" y="3280515"/>
+            <a:ext cx="1689243" cy="425788"/>
+          </a:xfrm>
+          <a:prstGeom prst="rect">
+            <a:avLst/>
+          </a:prstGeom>
+          <a:noFill/>
+          <a:ln w="22225">
+            <a:solidFill>
+              <a:srgbClr val="0070C0"/>
+            </a:solidFill>
+          </a:ln>
+        </p:spPr>
+        <p:style>
+          <a:lnRef idx="2">
+            <a:schemeClr val="accent1">
+              <a:shade val="50000"/>
+            </a:schemeClr>
+          </a:lnRef>
+          <a:fillRef idx="1">
+            <a:schemeClr val="accent1"/>
+          </a:fillRef>
+          <a:effectRef idx="0">
+            <a:schemeClr val="accent1"/>
+          </a:effectRef>
+          <a:fontRef idx="minor">
+            <a:schemeClr val="lt1"/>
+          </a:fontRef>
+        </p:style>
+        <p:txBody>
+          <a:bodyPr rtlCol="0" anchor="ctr"/>
+          <a:lstStyle/>
+          <a:p>
+            <a:pPr algn="ctr"/>
+            <a:r>
+              <a:rPr lang="en-TW" dirty="0">
+                <a:solidFill>
+                  <a:srgbClr val="002060"/>
+                </a:solidFill>
+              </a:rPr>
+              <a:t>Socket receive</a:t>
+            </a:r>
+          </a:p>
+        </p:txBody>
+      </p:sp>
+      <p:sp>
+        <p:nvSpPr>
+          <p:cNvPr id="9" name="Rectangle 8">
+            <a:extLst>
+              <a:ext uri="{FF2B5EF4-FFF2-40B4-BE49-F238E27FC236}">
+                <a16:creationId xmlns:a16="http://schemas.microsoft.com/office/drawing/2014/main" id="{C52DF274-9D52-F245-A11D-A48993493E4C}"/>
+              </a:ext>
+            </a:extLst>
+          </p:cNvPr>
+          <p:cNvSpPr/>
+          <p:nvPr/>
+        </p:nvSpPr>
+        <p:spPr>
+          <a:xfrm>
+            <a:off x="838197" y="4087322"/>
+            <a:ext cx="1689243" cy="425788"/>
+          </a:xfrm>
+          <a:prstGeom prst="rect">
+            <a:avLst/>
+          </a:prstGeom>
+          <a:noFill/>
+          <a:ln w="22225">
+            <a:solidFill>
+              <a:srgbClr val="0070C0"/>
+            </a:solidFill>
+          </a:ln>
+        </p:spPr>
+        <p:style>
+          <a:lnRef idx="2">
+            <a:schemeClr val="accent1">
+              <a:shade val="50000"/>
+            </a:schemeClr>
+          </a:lnRef>
+          <a:fillRef idx="1">
+            <a:schemeClr val="accent1"/>
+          </a:fillRef>
+          <a:effectRef idx="0">
+            <a:schemeClr val="accent1"/>
+          </a:effectRef>
+          <a:fontRef idx="minor">
+            <a:schemeClr val="lt1"/>
+          </a:fontRef>
+        </p:style>
+        <p:txBody>
+          <a:bodyPr rtlCol="0" anchor="ctr"/>
+          <a:lstStyle/>
+          <a:p>
+            <a:pPr algn="ctr"/>
+            <a:r>
+              <a:rPr lang="en-TW" dirty="0">
+                <a:solidFill>
+                  <a:srgbClr val="002060"/>
+                </a:solidFill>
+              </a:rPr>
+              <a:t>Socket send</a:t>
+            </a:r>
+          </a:p>
+        </p:txBody>
+      </p:sp>
+      <p:sp>
+        <p:nvSpPr>
+          <p:cNvPr id="10" name="Rectangle 9">
+            <a:extLst>
+              <a:ext uri="{FF2B5EF4-FFF2-40B4-BE49-F238E27FC236}">
+                <a16:creationId xmlns:a16="http://schemas.microsoft.com/office/drawing/2014/main" id="{5D522342-ED75-EB4E-A2D5-3AE75345322B}"/>
+              </a:ext>
+            </a:extLst>
+          </p:cNvPr>
+          <p:cNvSpPr/>
+          <p:nvPr/>
+        </p:nvSpPr>
+        <p:spPr>
+          <a:xfrm>
+            <a:off x="838196" y="4883855"/>
+            <a:ext cx="1689243" cy="425788"/>
+          </a:xfrm>
+          <a:prstGeom prst="rect">
+            <a:avLst/>
+          </a:prstGeom>
+          <a:noFill/>
+          <a:ln w="22225">
+            <a:solidFill>
+              <a:srgbClr val="0070C0"/>
+            </a:solidFill>
+          </a:ln>
+        </p:spPr>
+        <p:style>
+          <a:lnRef idx="2">
+            <a:schemeClr val="accent1">
+              <a:shade val="50000"/>
+            </a:schemeClr>
+          </a:lnRef>
+          <a:fillRef idx="1">
+            <a:schemeClr val="accent1"/>
+          </a:fillRef>
+          <a:effectRef idx="0">
+            <a:schemeClr val="accent1"/>
+          </a:effectRef>
+          <a:fontRef idx="minor">
+            <a:schemeClr val="lt1"/>
+          </a:fontRef>
+        </p:style>
+        <p:txBody>
+          <a:bodyPr rtlCol="0" anchor="ctr"/>
+          <a:lstStyle/>
+          <a:p>
+            <a:pPr algn="ctr"/>
+            <a:r>
+              <a:rPr lang="en-TW" dirty="0">
+                <a:solidFill>
+                  <a:srgbClr val="002060"/>
+                </a:solidFill>
+              </a:rPr>
+              <a:t>Close socket</a:t>
+            </a:r>
+          </a:p>
+        </p:txBody>
+      </p:sp>
+      <p:cxnSp>
+        <p:nvCxnSpPr>
+          <p:cNvPr id="11" name="Straight Arrow Connector 10">
+            <a:extLst>
+              <a:ext uri="{FF2B5EF4-FFF2-40B4-BE49-F238E27FC236}">
+                <a16:creationId xmlns:a16="http://schemas.microsoft.com/office/drawing/2014/main" id="{37F0A089-50E4-4040-9183-ED734B96E02D}"/>
+              </a:ext>
+            </a:extLst>
+          </p:cNvPr>
+          <p:cNvCxnSpPr>
+            <a:stCxn id="6" idx="2"/>
+            <a:endCxn id="7" idx="0"/>
+          </p:cNvCxnSpPr>
+          <p:nvPr/>
+        </p:nvCxnSpPr>
+        <p:spPr>
+          <a:xfrm flipH="1">
+            <a:off x="1682821" y="2116476"/>
+            <a:ext cx="1" cy="357232"/>
+          </a:xfrm>
+          <a:prstGeom prst="straightConnector1">
+            <a:avLst/>
+          </a:prstGeom>
+          <a:ln w="19050">
+            <a:tailEnd type="triangle"/>
+          </a:ln>
+        </p:spPr>
+        <p:style>
+          <a:lnRef idx="1">
+            <a:schemeClr val="accent1"/>
+          </a:lnRef>
+          <a:fillRef idx="0">
+            <a:schemeClr val="accent1"/>
+          </a:fillRef>
+          <a:effectRef idx="0">
+            <a:schemeClr val="accent1"/>
+          </a:effectRef>
+          <a:fontRef idx="minor">
+            <a:schemeClr val="tx1"/>
+          </a:fontRef>
+        </p:style>
+      </p:cxnSp>
+      <p:cxnSp>
+        <p:nvCxnSpPr>
+          <p:cNvPr id="12" name="Straight Arrow Connector 11">
+            <a:extLst>
+              <a:ext uri="{FF2B5EF4-FFF2-40B4-BE49-F238E27FC236}">
+                <a16:creationId xmlns:a16="http://schemas.microsoft.com/office/drawing/2014/main" id="{F190B53B-D6FD-4643-9363-B88315312238}"/>
+              </a:ext>
+            </a:extLst>
+          </p:cNvPr>
+          <p:cNvCxnSpPr>
+            <a:cxnSpLocks/>
+            <a:stCxn id="7" idx="2"/>
+            <a:endCxn id="8" idx="0"/>
+          </p:cNvCxnSpPr>
+          <p:nvPr/>
+        </p:nvCxnSpPr>
+        <p:spPr>
+          <a:xfrm flipH="1">
+            <a:off x="1682820" y="2899496"/>
+            <a:ext cx="1" cy="381019"/>
+          </a:xfrm>
+          <a:prstGeom prst="straightConnector1">
+            <a:avLst/>
+          </a:prstGeom>
+          <a:ln w="19050">
+            <a:tailEnd type="triangle"/>
+          </a:ln>
+        </p:spPr>
+        <p:style>
+          <a:lnRef idx="1">
+            <a:schemeClr val="accent1"/>
+          </a:lnRef>
+          <a:fillRef idx="0">
+            <a:schemeClr val="accent1"/>
+          </a:fillRef>
+          <a:effectRef idx="0">
+            <a:schemeClr val="accent1"/>
+          </a:effectRef>
+          <a:fontRef idx="minor">
+            <a:schemeClr val="tx1"/>
+          </a:fontRef>
+        </p:style>
+      </p:cxnSp>
+      <p:cxnSp>
+        <p:nvCxnSpPr>
+          <p:cNvPr id="13" name="Straight Arrow Connector 12">
+            <a:extLst>
+              <a:ext uri="{FF2B5EF4-FFF2-40B4-BE49-F238E27FC236}">
+                <a16:creationId xmlns:a16="http://schemas.microsoft.com/office/drawing/2014/main" id="{362E82D3-8FC1-434E-B638-FFA8DE27ABBF}"/>
+              </a:ext>
+            </a:extLst>
+          </p:cNvPr>
+          <p:cNvCxnSpPr>
+            <a:cxnSpLocks/>
+            <a:stCxn id="8" idx="2"/>
+            <a:endCxn id="9" idx="0"/>
+          </p:cNvCxnSpPr>
+          <p:nvPr/>
+        </p:nvCxnSpPr>
+        <p:spPr>
+          <a:xfrm flipH="1">
+            <a:off x="1682819" y="3706303"/>
+            <a:ext cx="1" cy="381019"/>
+          </a:xfrm>
+          <a:prstGeom prst="straightConnector1">
+            <a:avLst/>
+          </a:prstGeom>
+          <a:ln w="19050">
+            <a:tailEnd type="triangle"/>
+          </a:ln>
+        </p:spPr>
+        <p:style>
+          <a:lnRef idx="1">
+            <a:schemeClr val="accent1"/>
+          </a:lnRef>
+          <a:fillRef idx="0">
+            <a:schemeClr val="accent1"/>
+          </a:fillRef>
+          <a:effectRef idx="0">
+            <a:schemeClr val="accent1"/>
+          </a:effectRef>
+          <a:fontRef idx="minor">
+            <a:schemeClr val="tx1"/>
+          </a:fontRef>
+        </p:style>
+      </p:cxnSp>
+      <p:cxnSp>
+        <p:nvCxnSpPr>
+          <p:cNvPr id="14" name="Straight Arrow Connector 13">
+            <a:extLst>
+              <a:ext uri="{FF2B5EF4-FFF2-40B4-BE49-F238E27FC236}">
+                <a16:creationId xmlns:a16="http://schemas.microsoft.com/office/drawing/2014/main" id="{E3087609-52F8-9047-B566-012AB73C535E}"/>
+              </a:ext>
+            </a:extLst>
+          </p:cNvPr>
+          <p:cNvCxnSpPr>
+            <a:cxnSpLocks/>
+            <a:stCxn id="9" idx="2"/>
+            <a:endCxn id="10" idx="0"/>
+          </p:cNvCxnSpPr>
+          <p:nvPr/>
+        </p:nvCxnSpPr>
+        <p:spPr>
+          <a:xfrm flipH="1">
+            <a:off x="1682818" y="4513110"/>
+            <a:ext cx="1" cy="370745"/>
+          </a:xfrm>
+          <a:prstGeom prst="straightConnector1">
+            <a:avLst/>
+          </a:prstGeom>
+          <a:ln w="19050">
+            <a:tailEnd type="triangle"/>
+          </a:ln>
+        </p:spPr>
+        <p:style>
+          <a:lnRef idx="1">
+            <a:schemeClr val="accent1"/>
+          </a:lnRef>
+          <a:fillRef idx="0">
+            <a:schemeClr val="accent1"/>
+          </a:fillRef>
+          <a:effectRef idx="0">
+            <a:schemeClr val="accent1"/>
+          </a:effectRef>
+          <a:fontRef idx="minor">
+            <a:schemeClr val="tx1"/>
+          </a:fontRef>
+        </p:style>
+      </p:cxnSp>
+    </p:spTree>
+    <p:extLst>
+      <p:ext uri="{BB962C8B-B14F-4D97-AF65-F5344CB8AC3E}">
+        <p14:creationId xmlns:p14="http://schemas.microsoft.com/office/powerpoint/2010/main" val="1325010087"/>
+      </p:ext>
+    </p:extLst>
+  </p:cSld>
+  <p:clrMapOvr>
+    <a:masterClrMapping/>
+  </p:clrMapOvr>
+</p:sld>
+</file>
+
+<file path=ppt/slides/slide5.xml><?xml version="1.0" encoding="utf-8"?>
+<p:sld xmlns:a="http://schemas.openxmlformats.org/drawingml/2006/main" xmlns:r="http://schemas.openxmlformats.org/officeDocument/2006/relationships" xmlns:p="http://schemas.openxmlformats.org/presentationml/2006/main">
+  <p:cSld>
+    <p:spTree>
+      <p:nvGrpSpPr>
+        <p:cNvPr id="1" name=""/>
+        <p:cNvGrpSpPr/>
+        <p:nvPr/>
+      </p:nvGrpSpPr>
+      <p:grpSpPr>
+        <a:xfrm>
+          <a:off x="0" y="0"/>
+          <a:ext cx="0" cy="0"/>
+          <a:chOff x="0" y="0"/>
+          <a:chExt cx="0" cy="0"/>
+        </a:xfrm>
+      </p:grpSpPr>
+      <p:sp>
+        <p:nvSpPr>
+          <p:cNvPr id="2" name="Title 1">
+            <a:extLst>
+              <a:ext uri="{FF2B5EF4-FFF2-40B4-BE49-F238E27FC236}">
+                <a16:creationId xmlns:a16="http://schemas.microsoft.com/office/drawing/2014/main" id="{5BCB5CCB-D8AC-5F46-B9FC-C1F1C9C994AC}"/>
+              </a:ext>
+            </a:extLst>
+          </p:cNvPr>
+          <p:cNvSpPr>
+            <a:spLocks noGrp="1"/>
+          </p:cNvSpPr>
+          <p:nvPr>
+            <p:ph type="title"/>
+          </p:nvPr>
+        </p:nvSpPr>
+        <p:spPr/>
+        <p:txBody>
+          <a:bodyPr/>
+          <a:lstStyle/>
+          <a:p>
+            <a:r>
+              <a:rPr lang="en-TW" b="1" dirty="0"/>
+              <a:t>Video data transmission</a:t>
+            </a:r>
+          </a:p>
+        </p:txBody>
+      </p:sp>
+      <p:sp>
+        <p:nvSpPr>
+          <p:cNvPr id="3" name="Content Placeholder 2">
+            <a:extLst>
+              <a:ext uri="{FF2B5EF4-FFF2-40B4-BE49-F238E27FC236}">
+                <a16:creationId xmlns:a16="http://schemas.microsoft.com/office/drawing/2014/main" id="{1FC26A8E-BA75-BE4E-9ECF-F21AA5341C9F}"/>
+              </a:ext>
+            </a:extLst>
+          </p:cNvPr>
+          <p:cNvSpPr>
+            <a:spLocks noGrp="1"/>
+          </p:cNvSpPr>
+          <p:nvPr>
+            <p:ph idx="1"/>
+          </p:nvPr>
+        </p:nvSpPr>
+        <p:spPr/>
+        <p:txBody>
+          <a:bodyPr/>
+          <a:lstStyle/>
+          <a:p>
+            <a:pPr marL="0" indent="0">
+              <a:buNone/>
+            </a:pPr>
+            <a:r>
+              <a:rPr lang="en-TW" dirty="0"/>
+              <a:t>At server side</a:t>
+            </a:r>
+          </a:p>
+          <a:p>
+            <a:r>
+              <a:rPr lang="en-TW" dirty="0"/>
+              <a:t>With OpenCV get video frames of webcam</a:t>
+            </a:r>
+          </a:p>
+          <a:p>
+            <a:r>
+              <a:rPr lang="en-TW" dirty="0"/>
+              <a:t>With pickle serialize frame to byte data</a:t>
+            </a:r>
+          </a:p>
+          <a:p>
+            <a:r>
+              <a:rPr lang="en-TW" dirty="0"/>
+              <a:t>Pack each frame data using struct module</a:t>
+            </a:r>
+          </a:p>
+          <a:p>
+            <a:r>
+              <a:rPr lang="en-TW" dirty="0"/>
+              <a:t>Send data to client and display frame</a:t>
+            </a:r>
+          </a:p>
+        </p:txBody>
+      </p:sp>
+    </p:spTree>
+    <p:extLst>
+      <p:ext uri="{BB962C8B-B14F-4D97-AF65-F5344CB8AC3E}">
+        <p14:creationId xmlns:p14="http://schemas.microsoft.com/office/powerpoint/2010/main" val="3841365396"/>
+      </p:ext>
+    </p:extLst>
+  </p:cSld>
+  <p:clrMapOvr>
+    <a:masterClrMapping/>
+  </p:clrMapOvr>
+</p:sld>
+</file>
+
+<file path=ppt/slides/slide6.xml><?xml version="1.0" encoding="utf-8"?>
+<p:sld xmlns:a="http://schemas.openxmlformats.org/drawingml/2006/main" xmlns:r="http://schemas.openxmlformats.org/officeDocument/2006/relationships" xmlns:p="http://schemas.openxmlformats.org/presentationml/2006/main">
+  <p:cSld>
+    <p:spTree>
+      <p:nvGrpSpPr>
+        <p:cNvPr id="1" name=""/>
+        <p:cNvGrpSpPr/>
+        <p:nvPr/>
+      </p:nvGrpSpPr>
+      <p:grpSpPr>
+        <a:xfrm>
+          <a:off x="0" y="0"/>
+          <a:ext cx="0" cy="0"/>
+          <a:chOff x="0" y="0"/>
+          <a:chExt cx="0" cy="0"/>
+        </a:xfrm>
+      </p:grpSpPr>
+      <p:sp>
+        <p:nvSpPr>
+          <p:cNvPr id="2" name="Title 1">
+            <a:extLst>
+              <a:ext uri="{FF2B5EF4-FFF2-40B4-BE49-F238E27FC236}">
+                <a16:creationId xmlns:a16="http://schemas.microsoft.com/office/drawing/2014/main" id="{5BCB5CCB-D8AC-5F46-B9FC-C1F1C9C994AC}"/>
+              </a:ext>
+            </a:extLst>
+          </p:cNvPr>
+          <p:cNvSpPr>
+            <a:spLocks noGrp="1"/>
+          </p:cNvSpPr>
+          <p:nvPr>
+            <p:ph type="title"/>
+          </p:nvPr>
+        </p:nvSpPr>
+        <p:spPr/>
+        <p:txBody>
+          <a:bodyPr/>
+          <a:lstStyle/>
+          <a:p>
+            <a:r>
+              <a:rPr lang="en-TW" b="1" dirty="0"/>
+              <a:t>Video data transmission</a:t>
+            </a:r>
+          </a:p>
+        </p:txBody>
+      </p:sp>
+      <p:sp>
+        <p:nvSpPr>
+          <p:cNvPr id="3" name="Content Placeholder 2">
+            <a:extLst>
+              <a:ext uri="{FF2B5EF4-FFF2-40B4-BE49-F238E27FC236}">
+                <a16:creationId xmlns:a16="http://schemas.microsoft.com/office/drawing/2014/main" id="{1FC26A8E-BA75-BE4E-9ECF-F21AA5341C9F}"/>
+              </a:ext>
+            </a:extLst>
+          </p:cNvPr>
+          <p:cNvSpPr>
+            <a:spLocks noGrp="1"/>
+          </p:cNvSpPr>
+          <p:nvPr>
+            <p:ph idx="1"/>
+          </p:nvPr>
+        </p:nvSpPr>
+        <p:spPr/>
+        <p:txBody>
+          <a:bodyPr/>
+          <a:lstStyle/>
+          <a:p>
+            <a:pPr marL="0" indent="0">
+              <a:buNone/>
+            </a:pPr>
+            <a:r>
+              <a:rPr lang="en-TW" dirty="0"/>
+              <a:t>At client side</a:t>
+            </a:r>
+          </a:p>
+          <a:p>
+            <a:r>
+              <a:rPr lang="en-TW" dirty="0"/>
+              <a:t>Receive packets and append them to data</a:t>
+            </a:r>
+          </a:p>
+          <a:p>
+            <a:r>
+              <a:rPr lang="en-TW" dirty="0"/>
+              <a:t>Unpack the data using struct module</a:t>
+            </a:r>
+          </a:p>
+          <a:p>
+            <a:r>
+              <a:rPr lang="en-TW" dirty="0"/>
+              <a:t>Load the frame using pickle</a:t>
+            </a:r>
+          </a:p>
+          <a:p>
+            <a:r>
+              <a:rPr lang="en-TW" dirty="0"/>
+              <a:t>Display the frame at client side</a:t>
+            </a:r>
+          </a:p>
+          <a:p>
+            <a:endParaRPr lang="en-TW" dirty="0"/>
+          </a:p>
+        </p:txBody>
+      </p:sp>
+    </p:spTree>
+    <p:extLst>
+      <p:ext uri="{BB962C8B-B14F-4D97-AF65-F5344CB8AC3E}">
+        <p14:creationId xmlns:p14="http://schemas.microsoft.com/office/powerpoint/2010/main" val="4151807746"/>
+      </p:ext>
+    </p:extLst>
+  </p:cSld>
+  <p:clrMapOvr>
+    <a:masterClrMapping/>
+  </p:clrMapOvr>
+</p:sld>
+</file>
+
 <file path=ppt/theme/theme1.xml><?xml version="1.0" encoding="utf-8"?>
 <a:theme xmlns:a="http://schemas.openxmlformats.org/drawingml/2006/main" name="Office Theme">
   <a:themeElements>
